--- a/anomaly-detection/slides_dsa2021/Environmental Data Acquisition and Processing - DSA2021.pptx
+++ b/anomaly-detection/slides_dsa2021/Environmental Data Acquisition and Processing - DSA2021.pptx
@@ -5,7 +5,7 @@
     <p:sldMasterId id="2147483660" r:id="rId1"/>
   </p:sldMasterIdLst>
   <p:notesMasterIdLst>
-    <p:notesMasterId r:id="rId10"/>
+    <p:notesMasterId r:id="rId12"/>
   </p:notesMasterIdLst>
   <p:sldIdLst>
     <p:sldId id="256" r:id="rId2"/>
@@ -16,6 +16,8 @@
     <p:sldId id="261" r:id="rId7"/>
     <p:sldId id="262" r:id="rId8"/>
     <p:sldId id="263" r:id="rId9"/>
+    <p:sldId id="264" r:id="rId10"/>
+    <p:sldId id="265" r:id="rId11"/>
   </p:sldIdLst>
   <p:sldSz cx="9144000" cy="6858000" type="screen4x3"/>
   <p:notesSz cx="6858000" cy="9144000"/>
@@ -216,7 +218,7 @@
           <a:p>
             <a:fld id="{E3574352-89DD-4CA4-9C90-61B3A8FA44F1}" type="datetimeFigureOut">
               <a:rPr lang="en-GB" smtClean="0"/>
-              <a:t>22/09/2021</a:t>
+              <a:t>23/09/2021</a:t>
             </a:fld>
             <a:endParaRPr lang="en-GB"/>
           </a:p>
@@ -699,7 +701,7 @@
           <a:p>
             <a:fld id="{4B8B8AB0-382A-4A1D-B22A-38909A5C4E8E}" type="datetimeFigureOut">
               <a:rPr lang="en-GB" smtClean="0"/>
-              <a:t>22/09/2021</a:t>
+              <a:t>23/09/2021</a:t>
             </a:fld>
             <a:endParaRPr lang="en-GB"/>
           </a:p>
@@ -869,7 +871,7 @@
           <a:p>
             <a:fld id="{4B8B8AB0-382A-4A1D-B22A-38909A5C4E8E}" type="datetimeFigureOut">
               <a:rPr lang="en-GB" smtClean="0"/>
-              <a:t>22/09/2021</a:t>
+              <a:t>23/09/2021</a:t>
             </a:fld>
             <a:endParaRPr lang="en-GB"/>
           </a:p>
@@ -1049,7 +1051,7 @@
           <a:p>
             <a:fld id="{4B8B8AB0-382A-4A1D-B22A-38909A5C4E8E}" type="datetimeFigureOut">
               <a:rPr lang="en-GB" smtClean="0"/>
-              <a:t>22/09/2021</a:t>
+              <a:t>23/09/2021</a:t>
             </a:fld>
             <a:endParaRPr lang="en-GB"/>
           </a:p>
@@ -1219,7 +1221,7 @@
           <a:p>
             <a:fld id="{4B8B8AB0-382A-4A1D-B22A-38909A5C4E8E}" type="datetimeFigureOut">
               <a:rPr lang="en-GB" smtClean="0"/>
-              <a:t>22/09/2021</a:t>
+              <a:t>23/09/2021</a:t>
             </a:fld>
             <a:endParaRPr lang="en-GB"/>
           </a:p>
@@ -1463,7 +1465,7 @@
           <a:p>
             <a:fld id="{4B8B8AB0-382A-4A1D-B22A-38909A5C4E8E}" type="datetimeFigureOut">
               <a:rPr lang="en-GB" smtClean="0"/>
-              <a:t>22/09/2021</a:t>
+              <a:t>23/09/2021</a:t>
             </a:fld>
             <a:endParaRPr lang="en-GB"/>
           </a:p>
@@ -1695,7 +1697,7 @@
           <a:p>
             <a:fld id="{4B8B8AB0-382A-4A1D-B22A-38909A5C4E8E}" type="datetimeFigureOut">
               <a:rPr lang="en-GB" smtClean="0"/>
-              <a:t>22/09/2021</a:t>
+              <a:t>23/09/2021</a:t>
             </a:fld>
             <a:endParaRPr lang="en-GB"/>
           </a:p>
@@ -2062,7 +2064,7 @@
           <a:p>
             <a:fld id="{4B8B8AB0-382A-4A1D-B22A-38909A5C4E8E}" type="datetimeFigureOut">
               <a:rPr lang="en-GB" smtClean="0"/>
-              <a:t>22/09/2021</a:t>
+              <a:t>23/09/2021</a:t>
             </a:fld>
             <a:endParaRPr lang="en-GB"/>
           </a:p>
@@ -2180,7 +2182,7 @@
           <a:p>
             <a:fld id="{4B8B8AB0-382A-4A1D-B22A-38909A5C4E8E}" type="datetimeFigureOut">
               <a:rPr lang="en-GB" smtClean="0"/>
-              <a:t>22/09/2021</a:t>
+              <a:t>23/09/2021</a:t>
             </a:fld>
             <a:endParaRPr lang="en-GB"/>
           </a:p>
@@ -2275,7 +2277,7 @@
           <a:p>
             <a:fld id="{4B8B8AB0-382A-4A1D-B22A-38909A5C4E8E}" type="datetimeFigureOut">
               <a:rPr lang="en-GB" smtClean="0"/>
-              <a:t>22/09/2021</a:t>
+              <a:t>23/09/2021</a:t>
             </a:fld>
             <a:endParaRPr lang="en-GB"/>
           </a:p>
@@ -2552,7 +2554,7 @@
           <a:p>
             <a:fld id="{4B8B8AB0-382A-4A1D-B22A-38909A5C4E8E}" type="datetimeFigureOut">
               <a:rPr lang="en-GB" smtClean="0"/>
-              <a:t>22/09/2021</a:t>
+              <a:t>23/09/2021</a:t>
             </a:fld>
             <a:endParaRPr lang="en-GB"/>
           </a:p>
@@ -2809,7 +2811,7 @@
           <a:p>
             <a:fld id="{4B8B8AB0-382A-4A1D-B22A-38909A5C4E8E}" type="datetimeFigureOut">
               <a:rPr lang="en-GB" smtClean="0"/>
-              <a:t>22/09/2021</a:t>
+              <a:t>23/09/2021</a:t>
             </a:fld>
             <a:endParaRPr lang="en-GB"/>
           </a:p>
@@ -3022,7 +3024,7 @@
           <a:p>
             <a:fld id="{4B8B8AB0-382A-4A1D-B22A-38909A5C4E8E}" type="datetimeFigureOut">
               <a:rPr lang="en-GB" smtClean="0"/>
-              <a:t>22/09/2021</a:t>
+              <a:t>23/09/2021</a:t>
             </a:fld>
             <a:endParaRPr lang="en-GB"/>
           </a:p>
@@ -3616,6 +3618,146 @@
 </p:sld>
 </file>
 
+<file path=ppt/slides/slide10.xml><?xml version="1.0" encoding="utf-8"?>
+<p:sld xmlns:a="http://schemas.openxmlformats.org/drawingml/2006/main" xmlns:r="http://schemas.openxmlformats.org/officeDocument/2006/relationships" xmlns:p="http://schemas.openxmlformats.org/presentationml/2006/main">
+  <p:cSld>
+    <p:spTree>
+      <p:nvGrpSpPr>
+        <p:cNvPr id="1" name=""/>
+        <p:cNvGrpSpPr/>
+        <p:nvPr/>
+      </p:nvGrpSpPr>
+      <p:grpSpPr>
+        <a:xfrm>
+          <a:off x="0" y="0"/>
+          <a:ext cx="0" cy="0"/>
+          <a:chOff x="0" y="0"/>
+          <a:chExt cx="0" cy="0"/>
+        </a:xfrm>
+      </p:grpSpPr>
+      <p:sp>
+        <p:nvSpPr>
+          <p:cNvPr id="2" name="Title 1"/>
+          <p:cNvSpPr>
+            <a:spLocks noGrp="1"/>
+          </p:cNvSpPr>
+          <p:nvPr>
+            <p:ph type="title"/>
+          </p:nvPr>
+        </p:nvSpPr>
+        <p:spPr/>
+        <p:txBody>
+          <a:bodyPr/>
+          <a:lstStyle/>
+          <a:p>
+            <a:pPr algn="ctr"/>
+            <a:r>
+              <a:rPr lang="en-GB" b="1" dirty="0" smtClean="0">
+                <a:latin typeface="Agency FB" panose="020B0503020202020204" pitchFamily="34" charset="0"/>
+              </a:rPr>
+              <a:t>THANK YOU</a:t>
+            </a:r>
+            <a:endParaRPr lang="en-GB" b="1" dirty="0">
+              <a:latin typeface="Agency FB" panose="020B0503020202020204" pitchFamily="34" charset="0"/>
+            </a:endParaRPr>
+          </a:p>
+        </p:txBody>
+      </p:sp>
+      <p:sp>
+        <p:nvSpPr>
+          <p:cNvPr id="3" name="Content Placeholder 2"/>
+          <p:cNvSpPr>
+            <a:spLocks noGrp="1"/>
+          </p:cNvSpPr>
+          <p:nvPr>
+            <p:ph idx="1"/>
+          </p:nvPr>
+        </p:nvSpPr>
+        <p:spPr/>
+        <p:txBody>
+          <a:bodyPr/>
+          <a:lstStyle/>
+          <a:p>
+            <a:pPr marL="0" indent="0" algn="ctr">
+              <a:buNone/>
+            </a:pPr>
+            <a:r>
+              <a:rPr lang="en-GB" b="1" dirty="0" smtClean="0">
+                <a:latin typeface="Agency FB" panose="020B0503020202020204" pitchFamily="34" charset="0"/>
+              </a:rPr>
+              <a:t>Web -  Dekut-dsail.github.io</a:t>
+            </a:r>
+          </a:p>
+          <a:p>
+            <a:pPr marL="0" indent="0" algn="ctr">
+              <a:buNone/>
+            </a:pPr>
+            <a:r>
+              <a:rPr lang="en-GB" b="1" dirty="0" smtClean="0">
+                <a:latin typeface="Agency FB" panose="020B0503020202020204" pitchFamily="34" charset="0"/>
+              </a:rPr>
+              <a:t>Web -  kabi23.github.io</a:t>
+            </a:r>
+          </a:p>
+          <a:p>
+            <a:pPr marL="0" indent="0" algn="ctr">
+              <a:buNone/>
+            </a:pPr>
+            <a:r>
+              <a:rPr lang="en-GB" b="1" dirty="0" smtClean="0">
+                <a:latin typeface="Agency FB" panose="020B0503020202020204" pitchFamily="34" charset="0"/>
+              </a:rPr>
+              <a:t>Github – DEKUT-DSAIL</a:t>
+            </a:r>
+            <a:endParaRPr lang="en-GB" b="1" dirty="0">
+              <a:latin typeface="Agency FB" panose="020B0503020202020204" pitchFamily="34" charset="0"/>
+            </a:endParaRPr>
+          </a:p>
+        </p:txBody>
+      </p:sp>
+      <p:pic>
+        <p:nvPicPr>
+          <p:cNvPr id="4" name="Picture 3"/>
+          <p:cNvPicPr>
+            <a:picLocks noChangeAspect="1"/>
+          </p:cNvPicPr>
+          <p:nvPr/>
+        </p:nvPicPr>
+        <p:blipFill>
+          <a:blip r:embed="rId2" cstate="print">
+            <a:extLst>
+              <a:ext uri="{28A0092B-C50C-407E-A947-70E740481C1C}">
+                <a14:useLocalDpi xmlns:a14="http://schemas.microsoft.com/office/drawing/2010/main" val="0"/>
+              </a:ext>
+            </a:extLst>
+          </a:blip>
+          <a:stretch>
+            <a:fillRect/>
+          </a:stretch>
+        </p:blipFill>
+        <p:spPr>
+          <a:xfrm>
+            <a:off x="2160740" y="4001294"/>
+            <a:ext cx="4822520" cy="1545545"/>
+          </a:xfrm>
+          <a:prstGeom prst="rect">
+            <a:avLst/>
+          </a:prstGeom>
+        </p:spPr>
+      </p:pic>
+    </p:spTree>
+    <p:extLst>
+      <p:ext uri="{BB962C8B-B14F-4D97-AF65-F5344CB8AC3E}">
+        <p14:creationId xmlns:p14="http://schemas.microsoft.com/office/powerpoint/2010/main" val="131943849"/>
+      </p:ext>
+    </p:extLst>
+  </p:cSld>
+  <p:clrMapOvr>
+    <a:masterClrMapping/>
+  </p:clrMapOvr>
+</p:sld>
+</file>
+
 <file path=ppt/slides/slide2.xml><?xml version="1.0" encoding="utf-8"?>
 <p:sld xmlns:a="http://schemas.openxmlformats.org/drawingml/2006/main" xmlns:r="http://schemas.openxmlformats.org/officeDocument/2006/relationships" xmlns:p="http://schemas.openxmlformats.org/presentationml/2006/main">
   <p:cSld>
@@ -3717,7 +3859,7 @@
           <p:cNvPr id="9" name="Group 8">
             <a:extLst>
               <a:ext uri="{FF2B5EF4-FFF2-40B4-BE49-F238E27FC236}">
-                <a16:creationId xmlns="" xmlns:a16="http://schemas.microsoft.com/office/drawing/2014/main" id="{88B58890-DA27-FB4D-8404-3A65FACA68EF}"/>
+                <a16:creationId xmlns:a16="http://schemas.microsoft.com/office/drawing/2014/main" xmlns="" id="{88B58890-DA27-FB4D-8404-3A65FACA68EF}"/>
               </a:ext>
             </a:extLst>
           </p:cNvPr>
@@ -3737,7 +3879,7 @@
             <p:cNvPr id="10" name="100 Shipped">
               <a:extLst>
                 <a:ext uri="{FF2B5EF4-FFF2-40B4-BE49-F238E27FC236}">
-                  <a16:creationId xmlns="" xmlns:a16="http://schemas.microsoft.com/office/drawing/2014/main" id="{18879E89-CFC3-D645-A566-0FCA53316FBB}"/>
+                  <a16:creationId xmlns:a16="http://schemas.microsoft.com/office/drawing/2014/main" xmlns="" id="{18879E89-CFC3-D645-A566-0FCA53316FBB}"/>
                 </a:ext>
               </a:extLst>
             </p:cNvPr>
@@ -3893,8 +4035,23 @@
                   </a:solidFill>
                   <a:latin typeface="Agency FB" panose="020B0503020202020204" pitchFamily="34" charset="0"/>
                 </a:rPr>
-                <a:t>Session Break Down</a:t>
+                <a:t>Session </a:t>
               </a:r>
+              <a:r>
+                <a:rPr lang="en-US" altLang="en-US" sz="2000" b="1" dirty="0" err="1" smtClean="0">
+                  <a:solidFill>
+                    <a:schemeClr val="accent5"/>
+                  </a:solidFill>
+                  <a:latin typeface="Agency FB" panose="020B0503020202020204" pitchFamily="34" charset="0"/>
+                </a:rPr>
+                <a:t>BrakeDown</a:t>
+              </a:r>
+              <a:endParaRPr lang="en-US" altLang="en-US" sz="2000" b="1" dirty="0" smtClean="0">
+                <a:solidFill>
+                  <a:schemeClr val="accent5"/>
+                </a:solidFill>
+                <a:latin typeface="Agency FB" panose="020B0503020202020204" pitchFamily="34" charset="0"/>
+              </a:endParaRPr>
             </a:p>
             <a:p>
               <a:pPr marL="457200" indent="-457200">
@@ -4041,7 +4198,7 @@
             <p:cNvPr id="11" name="Group 10">
               <a:extLst>
                 <a:ext uri="{FF2B5EF4-FFF2-40B4-BE49-F238E27FC236}">
-                  <a16:creationId xmlns="" xmlns:a16="http://schemas.microsoft.com/office/drawing/2014/main" id="{5DB1349E-5155-3440-89CE-BE257C58F696}"/>
+                  <a16:creationId xmlns:a16="http://schemas.microsoft.com/office/drawing/2014/main" xmlns="" id="{5DB1349E-5155-3440-89CE-BE257C58F696}"/>
                 </a:ext>
               </a:extLst>
             </p:cNvPr>
@@ -4061,7 +4218,7 @@
               <p:cNvPr id="12" name="Freeform 11">
                 <a:extLst>
                   <a:ext uri="{FF2B5EF4-FFF2-40B4-BE49-F238E27FC236}">
-                    <a16:creationId xmlns="" xmlns:a16="http://schemas.microsoft.com/office/drawing/2014/main" id="{B198B618-0F1B-EB4A-8C92-E079518D7A34}"/>
+                    <a16:creationId xmlns:a16="http://schemas.microsoft.com/office/drawing/2014/main" xmlns="" id="{B198B618-0F1B-EB4A-8C92-E079518D7A34}"/>
                   </a:ext>
                 </a:extLst>
               </p:cNvPr>
@@ -4255,7 +4412,7 @@
               <p:cNvPr id="13" name="Freeform 12">
                 <a:extLst>
                   <a:ext uri="{FF2B5EF4-FFF2-40B4-BE49-F238E27FC236}">
-                    <a16:creationId xmlns="" xmlns:a16="http://schemas.microsoft.com/office/drawing/2014/main" id="{5A6DD985-5743-0742-8EED-3246DC280132}"/>
+                    <a16:creationId xmlns:a16="http://schemas.microsoft.com/office/drawing/2014/main" xmlns="" id="{5A6DD985-5743-0742-8EED-3246DC280132}"/>
                   </a:ext>
                 </a:extLst>
               </p:cNvPr>
@@ -6372,6 +6529,125 @@
     <p:extLst>
       <p:ext uri="{BB962C8B-B14F-4D97-AF65-F5344CB8AC3E}">
         <p14:creationId xmlns:p14="http://schemas.microsoft.com/office/powerpoint/2010/main" val="3901840506"/>
+      </p:ext>
+    </p:extLst>
+  </p:cSld>
+  <p:clrMapOvr>
+    <a:masterClrMapping/>
+  </p:clrMapOvr>
+</p:sld>
+</file>
+
+<file path=ppt/slides/slide9.xml><?xml version="1.0" encoding="utf-8"?>
+<p:sld xmlns:a="http://schemas.openxmlformats.org/drawingml/2006/main" xmlns:r="http://schemas.openxmlformats.org/officeDocument/2006/relationships" xmlns:p="http://schemas.openxmlformats.org/presentationml/2006/main">
+  <p:cSld>
+    <p:spTree>
+      <p:nvGrpSpPr>
+        <p:cNvPr id="1" name=""/>
+        <p:cNvGrpSpPr/>
+        <p:nvPr/>
+      </p:nvGrpSpPr>
+      <p:grpSpPr>
+        <a:xfrm>
+          <a:off x="0" y="0"/>
+          <a:ext cx="0" cy="0"/>
+          <a:chOff x="0" y="0"/>
+          <a:chExt cx="0" cy="0"/>
+        </a:xfrm>
+      </p:grpSpPr>
+      <p:sp>
+        <p:nvSpPr>
+          <p:cNvPr id="2" name="Title 1"/>
+          <p:cNvSpPr>
+            <a:spLocks noGrp="1"/>
+          </p:cNvSpPr>
+          <p:nvPr>
+            <p:ph type="title"/>
+          </p:nvPr>
+        </p:nvSpPr>
+        <p:spPr/>
+        <p:txBody>
+          <a:bodyPr>
+            <a:normAutofit/>
+          </a:bodyPr>
+          <a:lstStyle/>
+          <a:p>
+            <a:r>
+              <a:rPr lang="en-GB" sz="2800" b="1" dirty="0" smtClean="0">
+                <a:solidFill>
+                  <a:srgbClr val="0070C0"/>
+                </a:solidFill>
+                <a:latin typeface="Agency FB" panose="020B0503020202020204" pitchFamily="34" charset="0"/>
+              </a:rPr>
+              <a:t>Integration with other data sets</a:t>
+            </a:r>
+            <a:br>
+              <a:rPr lang="en-GB" sz="2800" b="1" dirty="0" smtClean="0">
+                <a:solidFill>
+                  <a:srgbClr val="0070C0"/>
+                </a:solidFill>
+                <a:latin typeface="Agency FB" panose="020B0503020202020204" pitchFamily="34" charset="0"/>
+              </a:rPr>
+            </a:br>
+            <a:r>
+              <a:rPr lang="en-GB" sz="2800" b="1" dirty="0" smtClean="0">
+                <a:solidFill>
+                  <a:srgbClr val="0070C0"/>
+                </a:solidFill>
+                <a:latin typeface="Agency FB" panose="020B0503020202020204" pitchFamily="34" charset="0"/>
+              </a:rPr>
+              <a:t>(rainfall data from TAHMO)</a:t>
+            </a:r>
+            <a:endParaRPr lang="en-GB" sz="2800" b="1" dirty="0">
+              <a:solidFill>
+                <a:srgbClr val="0070C0"/>
+              </a:solidFill>
+              <a:latin typeface="Agency FB" panose="020B0503020202020204" pitchFamily="34" charset="0"/>
+            </a:endParaRPr>
+          </a:p>
+        </p:txBody>
+      </p:sp>
+      <p:pic>
+        <p:nvPicPr>
+          <p:cNvPr id="4" name="Content Placeholder 3"/>
+          <p:cNvPicPr>
+            <a:picLocks noGrp="1" noChangeAspect="1"/>
+          </p:cNvPicPr>
+          <p:nvPr>
+            <p:ph idx="1"/>
+          </p:nvPr>
+        </p:nvPicPr>
+        <p:blipFill>
+          <a:blip r:embed="rId2" cstate="print">
+            <a:extLst>
+              <a:ext uri="{28A0092B-C50C-407E-A947-70E740481C1C}">
+                <a14:useLocalDpi xmlns:a14="http://schemas.microsoft.com/office/drawing/2010/main" val="0"/>
+              </a:ext>
+            </a:extLst>
+          </a:blip>
+          <a:stretch>
+            <a:fillRect/>
+          </a:stretch>
+        </p:blipFill>
+        <p:spPr>
+          <a:xfrm>
+            <a:off x="628650" y="1690689"/>
+            <a:ext cx="7886700" cy="3937011"/>
+          </a:xfrm>
+          <a:prstGeom prst="rect">
+            <a:avLst/>
+          </a:prstGeom>
+          <a:ln w="9525">
+            <a:solidFill>
+              <a:schemeClr val="tx1"/>
+            </a:solidFill>
+          </a:ln>
+        </p:spPr>
+      </p:pic>
+    </p:spTree>
+    <p:extLst>
+      <p:ext uri="{BB962C8B-B14F-4D97-AF65-F5344CB8AC3E}">
+        <p14:creationId xmlns:p14="http://schemas.microsoft.com/office/powerpoint/2010/main" val="1828178946"/>
       </p:ext>
     </p:extLst>
   </p:cSld>

--- a/anomaly-detection/slides_dsa2021/Environmental Data Acquisition and Processing - DSA2021.pptx
+++ b/anomaly-detection/slides_dsa2021/Environmental Data Acquisition and Processing - DSA2021.pptx
@@ -5,7 +5,7 @@
     <p:sldMasterId id="2147483660" r:id="rId1"/>
   </p:sldMasterIdLst>
   <p:notesMasterIdLst>
-    <p:notesMasterId r:id="rId12"/>
+    <p:notesMasterId r:id="rId11"/>
   </p:notesMasterIdLst>
   <p:sldIdLst>
     <p:sldId id="256" r:id="rId2"/>
@@ -16,8 +16,7 @@
     <p:sldId id="261" r:id="rId7"/>
     <p:sldId id="262" r:id="rId8"/>
     <p:sldId id="263" r:id="rId9"/>
-    <p:sldId id="264" r:id="rId10"/>
-    <p:sldId id="265" r:id="rId11"/>
+    <p:sldId id="265" r:id="rId10"/>
   </p:sldIdLst>
   <p:sldSz cx="9144000" cy="6858000" type="screen4x3"/>
   <p:notesSz cx="6858000" cy="9144000"/>
@@ -218,7 +217,7 @@
           <a:p>
             <a:fld id="{E3574352-89DD-4CA4-9C90-61B3A8FA44F1}" type="datetimeFigureOut">
               <a:rPr lang="en-GB" smtClean="0"/>
-              <a:t>23/09/2021</a:t>
+              <a:t>26/09/2021</a:t>
             </a:fld>
             <a:endParaRPr lang="en-GB"/>
           </a:p>
@@ -701,7 +700,7 @@
           <a:p>
             <a:fld id="{4B8B8AB0-382A-4A1D-B22A-38909A5C4E8E}" type="datetimeFigureOut">
               <a:rPr lang="en-GB" smtClean="0"/>
-              <a:t>23/09/2021</a:t>
+              <a:t>26/09/2021</a:t>
             </a:fld>
             <a:endParaRPr lang="en-GB"/>
           </a:p>
@@ -871,7 +870,7 @@
           <a:p>
             <a:fld id="{4B8B8AB0-382A-4A1D-B22A-38909A5C4E8E}" type="datetimeFigureOut">
               <a:rPr lang="en-GB" smtClean="0"/>
-              <a:t>23/09/2021</a:t>
+              <a:t>26/09/2021</a:t>
             </a:fld>
             <a:endParaRPr lang="en-GB"/>
           </a:p>
@@ -1051,7 +1050,7 @@
           <a:p>
             <a:fld id="{4B8B8AB0-382A-4A1D-B22A-38909A5C4E8E}" type="datetimeFigureOut">
               <a:rPr lang="en-GB" smtClean="0"/>
-              <a:t>23/09/2021</a:t>
+              <a:t>26/09/2021</a:t>
             </a:fld>
             <a:endParaRPr lang="en-GB"/>
           </a:p>
@@ -1221,7 +1220,7 @@
           <a:p>
             <a:fld id="{4B8B8AB0-382A-4A1D-B22A-38909A5C4E8E}" type="datetimeFigureOut">
               <a:rPr lang="en-GB" smtClean="0"/>
-              <a:t>23/09/2021</a:t>
+              <a:t>26/09/2021</a:t>
             </a:fld>
             <a:endParaRPr lang="en-GB"/>
           </a:p>
@@ -1465,7 +1464,7 @@
           <a:p>
             <a:fld id="{4B8B8AB0-382A-4A1D-B22A-38909A5C4E8E}" type="datetimeFigureOut">
               <a:rPr lang="en-GB" smtClean="0"/>
-              <a:t>23/09/2021</a:t>
+              <a:t>26/09/2021</a:t>
             </a:fld>
             <a:endParaRPr lang="en-GB"/>
           </a:p>
@@ -1697,7 +1696,7 @@
           <a:p>
             <a:fld id="{4B8B8AB0-382A-4A1D-B22A-38909A5C4E8E}" type="datetimeFigureOut">
               <a:rPr lang="en-GB" smtClean="0"/>
-              <a:t>23/09/2021</a:t>
+              <a:t>26/09/2021</a:t>
             </a:fld>
             <a:endParaRPr lang="en-GB"/>
           </a:p>
@@ -2064,7 +2063,7 @@
           <a:p>
             <a:fld id="{4B8B8AB0-382A-4A1D-B22A-38909A5C4E8E}" type="datetimeFigureOut">
               <a:rPr lang="en-GB" smtClean="0"/>
-              <a:t>23/09/2021</a:t>
+              <a:t>26/09/2021</a:t>
             </a:fld>
             <a:endParaRPr lang="en-GB"/>
           </a:p>
@@ -2182,7 +2181,7 @@
           <a:p>
             <a:fld id="{4B8B8AB0-382A-4A1D-B22A-38909A5C4E8E}" type="datetimeFigureOut">
               <a:rPr lang="en-GB" smtClean="0"/>
-              <a:t>23/09/2021</a:t>
+              <a:t>26/09/2021</a:t>
             </a:fld>
             <a:endParaRPr lang="en-GB"/>
           </a:p>
@@ -2277,7 +2276,7 @@
           <a:p>
             <a:fld id="{4B8B8AB0-382A-4A1D-B22A-38909A5C4E8E}" type="datetimeFigureOut">
               <a:rPr lang="en-GB" smtClean="0"/>
-              <a:t>23/09/2021</a:t>
+              <a:t>26/09/2021</a:t>
             </a:fld>
             <a:endParaRPr lang="en-GB"/>
           </a:p>
@@ -2554,7 +2553,7 @@
           <a:p>
             <a:fld id="{4B8B8AB0-382A-4A1D-B22A-38909A5C4E8E}" type="datetimeFigureOut">
               <a:rPr lang="en-GB" smtClean="0"/>
-              <a:t>23/09/2021</a:t>
+              <a:t>26/09/2021</a:t>
             </a:fld>
             <a:endParaRPr lang="en-GB"/>
           </a:p>
@@ -2811,7 +2810,7 @@
           <a:p>
             <a:fld id="{4B8B8AB0-382A-4A1D-B22A-38909A5C4E8E}" type="datetimeFigureOut">
               <a:rPr lang="en-GB" smtClean="0"/>
-              <a:t>23/09/2021</a:t>
+              <a:t>26/09/2021</a:t>
             </a:fld>
             <a:endParaRPr lang="en-GB"/>
           </a:p>
@@ -3024,7 +3023,7 @@
           <a:p>
             <a:fld id="{4B8B8AB0-382A-4A1D-B22A-38909A5C4E8E}" type="datetimeFigureOut">
               <a:rPr lang="en-GB" smtClean="0"/>
-              <a:t>23/09/2021</a:t>
+              <a:t>26/09/2021</a:t>
             </a:fld>
             <a:endParaRPr lang="en-GB"/>
           </a:p>
@@ -3605,150 +3604,72 @@
           </a:prstGeom>
         </p:spPr>
       </p:pic>
+      <p:sp>
+        <p:nvSpPr>
+          <p:cNvPr id="7" name="Rectangle 6"/>
+          <p:cNvSpPr/>
+          <p:nvPr/>
+        </p:nvSpPr>
+        <p:spPr>
+          <a:xfrm>
+            <a:off x="4350687" y="5850234"/>
+            <a:ext cx="535724" cy="923330"/>
+          </a:xfrm>
+          <a:prstGeom prst="rect">
+            <a:avLst/>
+          </a:prstGeom>
+          <a:noFill/>
+        </p:spPr>
+        <p:txBody>
+          <a:bodyPr wrap="none" lIns="91440" tIns="45720" rIns="91440" bIns="45720">
+            <a:spAutoFit/>
+          </a:bodyPr>
+          <a:lstStyle/>
+          <a:p>
+            <a:pPr algn="ctr"/>
+            <a:r>
+              <a:rPr lang="en-US" sz="5400" b="1" dirty="0">
+                <a:ln w="9525">
+                  <a:solidFill>
+                    <a:schemeClr val="bg1"/>
+                  </a:solidFill>
+                  <a:prstDash val="solid"/>
+                </a:ln>
+                <a:effectLst>
+                  <a:outerShdw blurRad="12700" dist="38100" dir="2700000" algn="tl" rotWithShape="0">
+                    <a:schemeClr val="bg1">
+                      <a:lumMod val="50000"/>
+                    </a:schemeClr>
+                  </a:outerShdw>
+                </a:effectLst>
+              </a:rPr>
+              <a:t>1</a:t>
+            </a:r>
+            <a:endParaRPr lang="en-US" sz="5400" b="1" cap="none" spc="0" dirty="0">
+              <a:ln w="9525">
+                <a:solidFill>
+                  <a:schemeClr val="bg1"/>
+                </a:solidFill>
+                <a:prstDash val="solid"/>
+              </a:ln>
+              <a:solidFill>
+                <a:schemeClr val="tx1"/>
+              </a:solidFill>
+              <a:effectLst>
+                <a:outerShdw blurRad="12700" dist="38100" dir="2700000" algn="tl" rotWithShape="0">
+                  <a:schemeClr val="bg1">
+                    <a:lumMod val="50000"/>
+                  </a:schemeClr>
+                </a:outerShdw>
+              </a:effectLst>
+            </a:endParaRPr>
+          </a:p>
+        </p:txBody>
+      </p:sp>
     </p:spTree>
     <p:extLst>
       <p:ext uri="{BB962C8B-B14F-4D97-AF65-F5344CB8AC3E}">
         <p14:creationId xmlns:p14="http://schemas.microsoft.com/office/powerpoint/2010/main" val="1496156494"/>
-      </p:ext>
-    </p:extLst>
-  </p:cSld>
-  <p:clrMapOvr>
-    <a:masterClrMapping/>
-  </p:clrMapOvr>
-</p:sld>
-</file>
-
-<file path=ppt/slides/slide10.xml><?xml version="1.0" encoding="utf-8"?>
-<p:sld xmlns:a="http://schemas.openxmlformats.org/drawingml/2006/main" xmlns:r="http://schemas.openxmlformats.org/officeDocument/2006/relationships" xmlns:p="http://schemas.openxmlformats.org/presentationml/2006/main">
-  <p:cSld>
-    <p:spTree>
-      <p:nvGrpSpPr>
-        <p:cNvPr id="1" name=""/>
-        <p:cNvGrpSpPr/>
-        <p:nvPr/>
-      </p:nvGrpSpPr>
-      <p:grpSpPr>
-        <a:xfrm>
-          <a:off x="0" y="0"/>
-          <a:ext cx="0" cy="0"/>
-          <a:chOff x="0" y="0"/>
-          <a:chExt cx="0" cy="0"/>
-        </a:xfrm>
-      </p:grpSpPr>
-      <p:sp>
-        <p:nvSpPr>
-          <p:cNvPr id="2" name="Title 1"/>
-          <p:cNvSpPr>
-            <a:spLocks noGrp="1"/>
-          </p:cNvSpPr>
-          <p:nvPr>
-            <p:ph type="title"/>
-          </p:nvPr>
-        </p:nvSpPr>
-        <p:spPr/>
-        <p:txBody>
-          <a:bodyPr/>
-          <a:lstStyle/>
-          <a:p>
-            <a:pPr algn="ctr"/>
-            <a:r>
-              <a:rPr lang="en-GB" b="1" dirty="0" smtClean="0">
-                <a:latin typeface="Agency FB" panose="020B0503020202020204" pitchFamily="34" charset="0"/>
-              </a:rPr>
-              <a:t>THANK YOU</a:t>
-            </a:r>
-            <a:endParaRPr lang="en-GB" b="1" dirty="0">
-              <a:latin typeface="Agency FB" panose="020B0503020202020204" pitchFamily="34" charset="0"/>
-            </a:endParaRPr>
-          </a:p>
-        </p:txBody>
-      </p:sp>
-      <p:sp>
-        <p:nvSpPr>
-          <p:cNvPr id="3" name="Content Placeholder 2"/>
-          <p:cNvSpPr>
-            <a:spLocks noGrp="1"/>
-          </p:cNvSpPr>
-          <p:nvPr>
-            <p:ph idx="1"/>
-          </p:nvPr>
-        </p:nvSpPr>
-        <p:spPr/>
-        <p:txBody>
-          <a:bodyPr/>
-          <a:lstStyle/>
-          <a:p>
-            <a:pPr marL="0" indent="0" algn="ctr">
-              <a:buNone/>
-            </a:pPr>
-            <a:r>
-              <a:rPr lang="en-GB" b="1" dirty="0" smtClean="0">
-                <a:latin typeface="Agency FB" panose="020B0503020202020204" pitchFamily="34" charset="0"/>
-              </a:rPr>
-              <a:t>Web -  Dekut-dsail.github.io</a:t>
-            </a:r>
-          </a:p>
-          <a:p>
-            <a:pPr marL="0" indent="0" algn="ctr">
-              <a:buNone/>
-            </a:pPr>
-            <a:r>
-              <a:rPr lang="en-GB" b="1" dirty="0" smtClean="0">
-                <a:latin typeface="Agency FB" panose="020B0503020202020204" pitchFamily="34" charset="0"/>
-              </a:rPr>
-              <a:t>Web -  kabi23.github.io</a:t>
-            </a:r>
-          </a:p>
-          <a:p>
-            <a:pPr marL="0" indent="0" algn="ctr">
-              <a:buNone/>
-            </a:pPr>
-            <a:r>
-              <a:rPr lang="en-GB" b="1" dirty="0" smtClean="0">
-                <a:latin typeface="Agency FB" panose="020B0503020202020204" pitchFamily="34" charset="0"/>
-              </a:rPr>
-              <a:t>Github – DEKUT-DSAIL</a:t>
-            </a:r>
-            <a:endParaRPr lang="en-GB" b="1" dirty="0">
-              <a:latin typeface="Agency FB" panose="020B0503020202020204" pitchFamily="34" charset="0"/>
-            </a:endParaRPr>
-          </a:p>
-        </p:txBody>
-      </p:sp>
-      <p:pic>
-        <p:nvPicPr>
-          <p:cNvPr id="4" name="Picture 3"/>
-          <p:cNvPicPr>
-            <a:picLocks noChangeAspect="1"/>
-          </p:cNvPicPr>
-          <p:nvPr/>
-        </p:nvPicPr>
-        <p:blipFill>
-          <a:blip r:embed="rId2" cstate="print">
-            <a:extLst>
-              <a:ext uri="{28A0092B-C50C-407E-A947-70E740481C1C}">
-                <a14:useLocalDpi xmlns:a14="http://schemas.microsoft.com/office/drawing/2010/main" val="0"/>
-              </a:ext>
-            </a:extLst>
-          </a:blip>
-          <a:stretch>
-            <a:fillRect/>
-          </a:stretch>
-        </p:blipFill>
-        <p:spPr>
-          <a:xfrm>
-            <a:off x="2160740" y="4001294"/>
-            <a:ext cx="4822520" cy="1545545"/>
-          </a:xfrm>
-          <a:prstGeom prst="rect">
-            <a:avLst/>
-          </a:prstGeom>
-        </p:spPr>
-      </p:pic>
-    </p:spTree>
-    <p:extLst>
-      <p:ext uri="{BB962C8B-B14F-4D97-AF65-F5344CB8AC3E}">
-        <p14:creationId xmlns:p14="http://schemas.microsoft.com/office/powerpoint/2010/main" val="131943849"/>
       </p:ext>
     </p:extLst>
   </p:cSld>
@@ -3859,7 +3780,7 @@
           <p:cNvPr id="9" name="Group 8">
             <a:extLst>
               <a:ext uri="{FF2B5EF4-FFF2-40B4-BE49-F238E27FC236}">
-                <a16:creationId xmlns:a16="http://schemas.microsoft.com/office/drawing/2014/main" xmlns="" id="{88B58890-DA27-FB4D-8404-3A65FACA68EF}"/>
+                <a16:creationId xmlns="" xmlns:a16="http://schemas.microsoft.com/office/drawing/2014/main" id="{88B58890-DA27-FB4D-8404-3A65FACA68EF}"/>
               </a:ext>
             </a:extLst>
           </p:cNvPr>
@@ -3879,7 +3800,7 @@
             <p:cNvPr id="10" name="100 Shipped">
               <a:extLst>
                 <a:ext uri="{FF2B5EF4-FFF2-40B4-BE49-F238E27FC236}">
-                  <a16:creationId xmlns:a16="http://schemas.microsoft.com/office/drawing/2014/main" xmlns="" id="{18879E89-CFC3-D645-A566-0FCA53316FBB}"/>
+                  <a16:creationId xmlns="" xmlns:a16="http://schemas.microsoft.com/office/drawing/2014/main" id="{18879E89-CFC3-D645-A566-0FCA53316FBB}"/>
                 </a:ext>
               </a:extLst>
             </p:cNvPr>
@@ -4038,13 +3959,13 @@
                 <a:t>Session </a:t>
               </a:r>
               <a:r>
-                <a:rPr lang="en-US" altLang="en-US" sz="2000" b="1" dirty="0" err="1" smtClean="0">
+                <a:rPr lang="en-US" altLang="en-US" sz="2000" b="1" dirty="0" smtClean="0">
                   <a:solidFill>
                     <a:schemeClr val="accent5"/>
                   </a:solidFill>
                   <a:latin typeface="Agency FB" panose="020B0503020202020204" pitchFamily="34" charset="0"/>
                 </a:rPr>
-                <a:t>BrakeDown</a:t>
+                <a:t>Brake Down</a:t>
               </a:r>
               <a:endParaRPr lang="en-US" altLang="en-US" sz="2000" b="1" dirty="0" smtClean="0">
                 <a:solidFill>
@@ -4198,7 +4119,7 @@
             <p:cNvPr id="11" name="Group 10">
               <a:extLst>
                 <a:ext uri="{FF2B5EF4-FFF2-40B4-BE49-F238E27FC236}">
-                  <a16:creationId xmlns:a16="http://schemas.microsoft.com/office/drawing/2014/main" xmlns="" id="{5DB1349E-5155-3440-89CE-BE257C58F696}"/>
+                  <a16:creationId xmlns="" xmlns:a16="http://schemas.microsoft.com/office/drawing/2014/main" id="{5DB1349E-5155-3440-89CE-BE257C58F696}"/>
                 </a:ext>
               </a:extLst>
             </p:cNvPr>
@@ -4218,7 +4139,7 @@
               <p:cNvPr id="12" name="Freeform 11">
                 <a:extLst>
                   <a:ext uri="{FF2B5EF4-FFF2-40B4-BE49-F238E27FC236}">
-                    <a16:creationId xmlns:a16="http://schemas.microsoft.com/office/drawing/2014/main" xmlns="" id="{B198B618-0F1B-EB4A-8C92-E079518D7A34}"/>
+                    <a16:creationId xmlns="" xmlns:a16="http://schemas.microsoft.com/office/drawing/2014/main" id="{B198B618-0F1B-EB4A-8C92-E079518D7A34}"/>
                   </a:ext>
                 </a:extLst>
               </p:cNvPr>
@@ -4412,7 +4333,7 @@
               <p:cNvPr id="13" name="Freeform 12">
                 <a:extLst>
                   <a:ext uri="{FF2B5EF4-FFF2-40B4-BE49-F238E27FC236}">
-                    <a16:creationId xmlns:a16="http://schemas.microsoft.com/office/drawing/2014/main" xmlns="" id="{5A6DD985-5743-0742-8EED-3246DC280132}"/>
+                    <a16:creationId xmlns="" xmlns:a16="http://schemas.microsoft.com/office/drawing/2014/main" id="{5A6DD985-5743-0742-8EED-3246DC280132}"/>
                   </a:ext>
                 </a:extLst>
               </p:cNvPr>
@@ -4701,7 +4622,7 @@
                   </a:outerShdw>
                 </a:effectLst>
               </a:rPr>
-              <a:t>1</a:t>
+              <a:t>2</a:t>
             </a:r>
             <a:endParaRPr lang="en-US" sz="5400" b="1" cap="none" spc="0" dirty="0">
               <a:ln w="9525">
@@ -5103,7 +5024,7 @@
           <a:p>
             <a:pPr algn="ctr"/>
             <a:r>
-              <a:rPr lang="en-US" sz="5400" b="1" dirty="0" smtClean="0">
+              <a:rPr lang="en-US" sz="5400" b="1" dirty="0">
                 <a:ln w="9525">
                   <a:solidFill>
                     <a:schemeClr val="bg1"/>
@@ -5118,7 +5039,7 @@
                   </a:outerShdw>
                 </a:effectLst>
               </a:rPr>
-              <a:t>2</a:t>
+              <a:t>3</a:t>
             </a:r>
             <a:endParaRPr lang="en-US" sz="5400" b="1" cap="none" spc="0" dirty="0">
               <a:ln w="9525">
@@ -5250,8 +5171,8 @@
         </p:blipFill>
         <p:spPr>
           <a:xfrm>
-            <a:off x="783336" y="1168428"/>
-            <a:ext cx="7732014" cy="4242816"/>
+            <a:off x="150312" y="1954060"/>
+            <a:ext cx="5235880" cy="3131339"/>
           </a:xfrm>
           <a:prstGeom prst="rect">
             <a:avLst/>
@@ -5308,7 +5229,19 @@
               <a:rPr lang="en-US" sz="2400" dirty="0" smtClean="0">
                 <a:latin typeface="Agency FB" panose="020B0503020202020204" pitchFamily="34" charset="0"/>
               </a:rPr>
-              <a:t>Muringato Water shed – Nyeri - Kenya</a:t>
+              <a:t>Muringato Water shed – </a:t>
+            </a:r>
+            <a:r>
+              <a:rPr lang="en-US" sz="2400" dirty="0" smtClean="0">
+                <a:latin typeface="Agency FB" panose="020B0503020202020204" pitchFamily="34" charset="0"/>
+              </a:rPr>
+              <a:t>Nyeri county </a:t>
+            </a:r>
+            <a:r>
+              <a:rPr lang="en-US" sz="2400" dirty="0" smtClean="0">
+                <a:latin typeface="Agency FB" panose="020B0503020202020204" pitchFamily="34" charset="0"/>
+              </a:rPr>
+              <a:t>- Kenya</a:t>
             </a:r>
             <a:endParaRPr lang="en-GB" sz="2400" dirty="0">
               <a:latin typeface="Agency FB" panose="020B0503020202020204" pitchFamily="34" charset="0"/>
@@ -5400,7 +5333,7 @@
           <a:p>
             <a:pPr algn="ctr"/>
             <a:r>
-              <a:rPr lang="en-US" sz="5400" b="1" dirty="0" smtClean="0">
+              <a:rPr lang="en-US" sz="5400" b="1" dirty="0">
                 <a:ln w="9525">
                   <a:solidFill>
                     <a:schemeClr val="bg1"/>
@@ -5415,7 +5348,7 @@
                   </a:outerShdw>
                 </a:effectLst>
               </a:rPr>
-              <a:t>3</a:t>
+              <a:t>4</a:t>
             </a:r>
             <a:endParaRPr lang="en-US" sz="5400" b="1" cap="none" spc="0" dirty="0">
               <a:ln w="9525">
@@ -5438,6 +5371,72 @@
           </a:p>
         </p:txBody>
       </p:sp>
+      <p:pic>
+        <p:nvPicPr>
+          <p:cNvPr id="2" name="Picture 1"/>
+          <p:cNvPicPr>
+            <a:picLocks noChangeAspect="1"/>
+          </p:cNvPicPr>
+          <p:nvPr/>
+        </p:nvPicPr>
+        <p:blipFill>
+          <a:blip r:embed="rId5">
+            <a:extLst>
+              <a:ext uri="{28A0092B-C50C-407E-A947-70E740481C1C}">
+                <a14:useLocalDpi xmlns:a14="http://schemas.microsoft.com/office/drawing/2010/main" val="0"/>
+              </a:ext>
+            </a:extLst>
+          </a:blip>
+          <a:stretch>
+            <a:fillRect/>
+          </a:stretch>
+        </p:blipFill>
+        <p:spPr>
+          <a:xfrm>
+            <a:off x="5625353" y="1609458"/>
+            <a:ext cx="3180444" cy="3645182"/>
+          </a:xfrm>
+          <a:prstGeom prst="rect">
+            <a:avLst/>
+          </a:prstGeom>
+        </p:spPr>
+      </p:pic>
+      <p:cxnSp>
+        <p:nvCxnSpPr>
+          <p:cNvPr id="4" name="Straight Arrow Connector 3"/>
+          <p:cNvCxnSpPr/>
+          <p:nvPr/>
+        </p:nvCxnSpPr>
+        <p:spPr>
+          <a:xfrm>
+            <a:off x="5060515" y="3432049"/>
+            <a:ext cx="1642078" cy="325677"/>
+          </a:xfrm>
+          <a:prstGeom prst="straightConnector1">
+            <a:avLst/>
+          </a:prstGeom>
+          <a:ln w="38100">
+            <a:solidFill>
+              <a:srgbClr val="FF0000"/>
+            </a:solidFill>
+            <a:tailEnd type="triangle"/>
+          </a:ln>
+        </p:spPr>
+        <p:style>
+          <a:lnRef idx="1">
+            <a:schemeClr val="accent1"/>
+          </a:lnRef>
+          <a:fillRef idx="0">
+            <a:schemeClr val="accent1"/>
+          </a:fillRef>
+          <a:effectRef idx="0">
+            <a:schemeClr val="accent1"/>
+          </a:effectRef>
+          <a:fontRef idx="minor">
+            <a:schemeClr val="tx1"/>
+          </a:fontRef>
+        </p:style>
+      </p:cxnSp>
     </p:spTree>
     <p:extLst>
       <p:ext uri="{BB962C8B-B14F-4D97-AF65-F5344CB8AC3E}">
@@ -5626,7 +5625,7 @@
           <a:p>
             <a:pPr algn="ctr"/>
             <a:r>
-              <a:rPr lang="en-US" sz="5400" b="1" dirty="0" smtClean="0">
+              <a:rPr lang="en-US" sz="5400" b="1" dirty="0">
                 <a:ln w="9525">
                   <a:solidFill>
                     <a:schemeClr val="bg1"/>
@@ -5641,7 +5640,7 @@
                   </a:outerShdw>
                 </a:effectLst>
               </a:rPr>
-              <a:t>4</a:t>
+              <a:t>5</a:t>
             </a:r>
             <a:endParaRPr lang="en-US" sz="5400" b="1" cap="none" spc="0" dirty="0">
               <a:ln w="9525">
@@ -5861,7 +5860,7 @@
           <a:p>
             <a:pPr algn="ctr"/>
             <a:r>
-              <a:rPr lang="en-US" sz="5400" b="1" dirty="0" smtClean="0">
+              <a:rPr lang="en-US" sz="5400" b="1" dirty="0">
                 <a:ln w="9525">
                   <a:solidFill>
                     <a:schemeClr val="bg1"/>
@@ -5876,7 +5875,7 @@
                   </a:outerShdw>
                 </a:effectLst>
               </a:rPr>
-              <a:t>5</a:t>
+              <a:t>6</a:t>
             </a:r>
             <a:endParaRPr lang="en-US" sz="5400" b="1" cap="none" spc="0" dirty="0">
               <a:ln w="9525">
@@ -6257,7 +6256,7 @@
           <a:p>
             <a:pPr algn="ctr"/>
             <a:r>
-              <a:rPr lang="en-US" sz="5400" b="1" dirty="0" smtClean="0">
+              <a:rPr lang="en-US" sz="5400" b="1" dirty="0">
                 <a:ln w="9525">
                   <a:solidFill>
                     <a:schemeClr val="bg1"/>
@@ -6272,7 +6271,7 @@
                   </a:outerShdw>
                 </a:effectLst>
               </a:rPr>
-              <a:t>6</a:t>
+              <a:t>7</a:t>
             </a:r>
             <a:endParaRPr lang="en-US" sz="5400" b="1" cap="none" spc="0" dirty="0">
               <a:ln w="9525">
@@ -6487,7 +6486,7 @@
           <a:p>
             <a:pPr algn="ctr"/>
             <a:r>
-              <a:rPr lang="en-US" sz="5400" b="1" dirty="0" smtClean="0">
+              <a:rPr lang="en-US" sz="5400" b="1" dirty="0">
                 <a:ln w="9525">
                   <a:solidFill>
                     <a:schemeClr val="bg1"/>
@@ -6502,7 +6501,7 @@
                   </a:outerShdw>
                 </a:effectLst>
               </a:rPr>
-              <a:t>7</a:t>
+              <a:t>8</a:t>
             </a:r>
             <a:endParaRPr lang="en-US" sz="5400" b="1" cap="none" spc="0" dirty="0">
               <a:ln w="9525">
@@ -6567,41 +6566,69 @@
         </p:nvSpPr>
         <p:spPr/>
         <p:txBody>
-          <a:bodyPr>
-            <a:normAutofit/>
-          </a:bodyPr>
-          <a:lstStyle/>
-          <a:p>
-            <a:r>
-              <a:rPr lang="en-GB" sz="2800" b="1" dirty="0" smtClean="0">
-                <a:solidFill>
-                  <a:srgbClr val="0070C0"/>
-                </a:solidFill>
+          <a:bodyPr/>
+          <a:lstStyle/>
+          <a:p>
+            <a:pPr algn="ctr"/>
+            <a:r>
+              <a:rPr lang="en-GB" b="1" dirty="0" smtClean="0">
                 <a:latin typeface="Agency FB" panose="020B0503020202020204" pitchFamily="34" charset="0"/>
               </a:rPr>
-              <a:t>Integration with other data sets</a:t>
-            </a:r>
-            <a:br>
-              <a:rPr lang="en-GB" sz="2800" b="1" dirty="0" smtClean="0">
-                <a:solidFill>
-                  <a:srgbClr val="0070C0"/>
-                </a:solidFill>
+              <a:t>THANK YOU</a:t>
+            </a:r>
+            <a:endParaRPr lang="en-GB" b="1" dirty="0">
+              <a:latin typeface="Agency FB" panose="020B0503020202020204" pitchFamily="34" charset="0"/>
+            </a:endParaRPr>
+          </a:p>
+        </p:txBody>
+      </p:sp>
+      <p:sp>
+        <p:nvSpPr>
+          <p:cNvPr id="3" name="Content Placeholder 2"/>
+          <p:cNvSpPr>
+            <a:spLocks noGrp="1"/>
+          </p:cNvSpPr>
+          <p:nvPr>
+            <p:ph idx="1"/>
+          </p:nvPr>
+        </p:nvSpPr>
+        <p:spPr/>
+        <p:txBody>
+          <a:bodyPr/>
+          <a:lstStyle/>
+          <a:p>
+            <a:pPr marL="0" indent="0" algn="ctr">
+              <a:buNone/>
+            </a:pPr>
+            <a:r>
+              <a:rPr lang="en-GB" b="1" dirty="0" smtClean="0">
                 <a:latin typeface="Agency FB" panose="020B0503020202020204" pitchFamily="34" charset="0"/>
               </a:rPr>
-            </a:br>
-            <a:r>
-              <a:rPr lang="en-GB" sz="2800" b="1" dirty="0" smtClean="0">
-                <a:solidFill>
-                  <a:srgbClr val="0070C0"/>
-                </a:solidFill>
+              <a:t>Web -  Dekut-dsail.github.io</a:t>
+            </a:r>
+          </a:p>
+          <a:p>
+            <a:pPr marL="0" indent="0" algn="ctr">
+              <a:buNone/>
+            </a:pPr>
+            <a:r>
+              <a:rPr lang="en-GB" b="1" dirty="0" smtClean="0">
                 <a:latin typeface="Agency FB" panose="020B0503020202020204" pitchFamily="34" charset="0"/>
               </a:rPr>
-              <a:t>(rainfall data from TAHMO)</a:t>
-            </a:r>
-            <a:endParaRPr lang="en-GB" sz="2800" b="1" dirty="0">
-              <a:solidFill>
-                <a:srgbClr val="0070C0"/>
-              </a:solidFill>
+              <a:t>Web -  kabi23.github.io</a:t>
+            </a:r>
+          </a:p>
+          <a:p>
+            <a:pPr marL="0" indent="0" algn="ctr">
+              <a:buNone/>
+            </a:pPr>
+            <a:r>
+              <a:rPr lang="en-GB" b="1" dirty="0" smtClean="0">
+                <a:latin typeface="Agency FB" panose="020B0503020202020204" pitchFamily="34" charset="0"/>
+              </a:rPr>
+              <a:t>Github – DEKUT-DSAIL</a:t>
+            </a:r>
+            <a:endParaRPr lang="en-GB" b="1" dirty="0">
               <a:latin typeface="Agency FB" panose="020B0503020202020204" pitchFamily="34" charset="0"/>
             </a:endParaRPr>
           </a:p>
@@ -6609,13 +6636,11 @@
       </p:sp>
       <p:pic>
         <p:nvPicPr>
-          <p:cNvPr id="4" name="Content Placeholder 3"/>
+          <p:cNvPr id="4" name="Picture 3"/>
           <p:cNvPicPr>
-            <a:picLocks noGrp="1" noChangeAspect="1"/>
+            <a:picLocks noChangeAspect="1"/>
           </p:cNvPicPr>
-          <p:nvPr>
-            <p:ph idx="1"/>
-          </p:nvPr>
+          <p:nvPr/>
         </p:nvPicPr>
         <p:blipFill>
           <a:blip r:embed="rId2" cstate="print">
@@ -6631,23 +6656,80 @@
         </p:blipFill>
         <p:spPr>
           <a:xfrm>
-            <a:off x="628650" y="1690689"/>
-            <a:ext cx="7886700" cy="3937011"/>
+            <a:off x="2160740" y="4001294"/>
+            <a:ext cx="4822520" cy="1545545"/>
           </a:xfrm>
           <a:prstGeom prst="rect">
             <a:avLst/>
           </a:prstGeom>
-          <a:ln w="9525">
-            <a:solidFill>
-              <a:schemeClr val="tx1"/>
-            </a:solidFill>
-          </a:ln>
         </p:spPr>
       </p:pic>
+      <p:sp>
+        <p:nvSpPr>
+          <p:cNvPr id="5" name="Rectangle 4"/>
+          <p:cNvSpPr/>
+          <p:nvPr/>
+        </p:nvSpPr>
+        <p:spPr>
+          <a:xfrm>
+            <a:off x="4304138" y="5735587"/>
+            <a:ext cx="535724" cy="923330"/>
+          </a:xfrm>
+          <a:prstGeom prst="rect">
+            <a:avLst/>
+          </a:prstGeom>
+          <a:noFill/>
+        </p:spPr>
+        <p:txBody>
+          <a:bodyPr wrap="none" lIns="91440" tIns="45720" rIns="91440" bIns="45720">
+            <a:spAutoFit/>
+          </a:bodyPr>
+          <a:lstStyle/>
+          <a:p>
+            <a:pPr algn="ctr"/>
+            <a:r>
+              <a:rPr lang="en-US" sz="5400" b="1" dirty="0" smtClean="0">
+                <a:ln w="9525">
+                  <a:solidFill>
+                    <a:schemeClr val="bg1"/>
+                  </a:solidFill>
+                  <a:prstDash val="solid"/>
+                </a:ln>
+                <a:effectLst>
+                  <a:outerShdw blurRad="12700" dist="38100" dir="2700000" algn="tl" rotWithShape="0">
+                    <a:schemeClr val="bg1">
+                      <a:lumMod val="50000"/>
+                    </a:schemeClr>
+                  </a:outerShdw>
+                </a:effectLst>
+              </a:rPr>
+              <a:t>9</a:t>
+            </a:r>
+            <a:endParaRPr lang="en-US" sz="5400" b="1" cap="none" spc="0" dirty="0">
+              <a:ln w="9525">
+                <a:solidFill>
+                  <a:schemeClr val="bg1"/>
+                </a:solidFill>
+                <a:prstDash val="solid"/>
+              </a:ln>
+              <a:solidFill>
+                <a:schemeClr val="tx1"/>
+              </a:solidFill>
+              <a:effectLst>
+                <a:outerShdw blurRad="12700" dist="38100" dir="2700000" algn="tl" rotWithShape="0">
+                  <a:schemeClr val="bg1">
+                    <a:lumMod val="50000"/>
+                  </a:schemeClr>
+                </a:outerShdw>
+              </a:effectLst>
+            </a:endParaRPr>
+          </a:p>
+        </p:txBody>
+      </p:sp>
     </p:spTree>
     <p:extLst>
       <p:ext uri="{BB962C8B-B14F-4D97-AF65-F5344CB8AC3E}">
-        <p14:creationId xmlns:p14="http://schemas.microsoft.com/office/powerpoint/2010/main" val="1828178946"/>
+        <p14:creationId xmlns:p14="http://schemas.microsoft.com/office/powerpoint/2010/main" val="131943849"/>
       </p:ext>
     </p:extLst>
   </p:cSld>
